--- a/New ppt format.pptx
+++ b/New ppt format.pptx
@@ -3659,7 +3659,7 @@
           </a:custGeom>
           <a:blipFill>
             <a:blip r:embed="rId2">
-              <a:alphaModFix amt="14000"/>
+              <a:alphaModFix amt="5000"/>
             </a:blip>
             <a:stretch>
               <a:fillRect l="0" t="0" r="0" b="0"/>
@@ -4136,59 +4136,6 @@
         </p:nvSpPr>
         <p:spPr>
           <a:xfrm flipH="false" flipV="false" rot="0">
-            <a:off x="3446486" y="-320805"/>
-            <a:ext cx="11395028" cy="11395028"/>
-          </a:xfrm>
-          <a:custGeom>
-            <a:avLst/>
-            <a:gdLst/>
-            <a:ahLst/>
-            <a:cxnLst/>
-            <a:rect r="r" b="b" t="t" l="l"/>
-            <a:pathLst>
-              <a:path h="11395028" w="11395028">
-                <a:moveTo>
-                  <a:pt x="0" y="0"/>
-                </a:moveTo>
-                <a:lnTo>
-                  <a:pt x="11395028" y="0"/>
-                </a:lnTo>
-                <a:lnTo>
-                  <a:pt x="11395028" y="11395029"/>
-                </a:lnTo>
-                <a:lnTo>
-                  <a:pt x="0" y="11395029"/>
-                </a:lnTo>
-                <a:lnTo>
-                  <a:pt x="0" y="0"/>
-                </a:lnTo>
-                <a:close/>
-              </a:path>
-            </a:pathLst>
-          </a:custGeom>
-          <a:blipFill>
-            <a:blip r:embed="rId2">
-              <a:alphaModFix amt="14000"/>
-            </a:blip>
-            <a:stretch>
-              <a:fillRect l="0" t="0" r="0" b="0"/>
-            </a:stretch>
-          </a:blipFill>
-          <a:ln cap="sq">
-            <a:noFill/>
-            <a:prstDash val="solid"/>
-            <a:miter/>
-          </a:ln>
-        </p:spPr>
-      </p:sp>
-      <p:sp>
-        <p:nvSpPr>
-          <p:cNvPr name="Freeform 3" id="3"/>
-          <p:cNvSpPr/>
-          <p:nvPr/>
-        </p:nvSpPr>
-        <p:spPr>
-          <a:xfrm flipH="false" flipV="false" rot="0">
             <a:off x="288257" y="150240"/>
             <a:ext cx="1124941" cy="1124941"/>
           </a:xfrm>
@@ -4220,7 +4167,7 @@
             </a:pathLst>
           </a:custGeom>
           <a:blipFill>
-            <a:blip r:embed="rId3"/>
+            <a:blip r:embed="rId2"/>
             <a:stretch>
               <a:fillRect l="0" t="0" r="0" b="0"/>
             </a:stretch>
@@ -4229,7 +4176,7 @@
       </p:sp>
       <p:sp>
         <p:nvSpPr>
-          <p:cNvPr name="Freeform 4" id="4"/>
+          <p:cNvPr name="Freeform 3" id="3"/>
           <p:cNvSpPr/>
           <p:nvPr/>
         </p:nvSpPr>
@@ -4266,7 +4213,7 @@
             </a:pathLst>
           </a:custGeom>
           <a:blipFill>
-            <a:blip r:embed="rId4"/>
+            <a:blip r:embed="rId3"/>
             <a:stretch>
               <a:fillRect l="0" t="0" r="0" b="0"/>
             </a:stretch>
@@ -4275,7 +4222,7 @@
       </p:sp>
       <p:sp>
         <p:nvSpPr>
-          <p:cNvPr name="TextBox 5" id="5"/>
+          <p:cNvPr name="TextBox 4" id="4"/>
           <p:cNvSpPr txBox="true"/>
           <p:nvPr/>
         </p:nvSpPr>
@@ -4323,7 +4270,7 @@
       </p:sp>
       <p:grpSp>
         <p:nvGrpSpPr>
-          <p:cNvPr name="Group 6" id="6"/>
+          <p:cNvPr name="Group 5" id="5"/>
           <p:cNvGrpSpPr/>
           <p:nvPr/>
         </p:nvGrpSpPr>
@@ -4337,7 +4284,7 @@
         </p:grpSpPr>
         <p:sp>
           <p:nvSpPr>
-            <p:cNvPr name="Freeform 7" id="7"/>
+            <p:cNvPr name="Freeform 6" id="6"/>
             <p:cNvSpPr/>
             <p:nvPr/>
           </p:nvSpPr>
@@ -4371,7 +4318,7 @@
               </a:pathLst>
             </a:custGeom>
             <a:blipFill>
-              <a:blip r:embed="rId5">
+              <a:blip r:embed="rId4">
                 <a:alphaModFix amt="0"/>
               </a:blip>
               <a:stretch>
@@ -4382,7 +4329,7 @@
         </p:sp>
         <p:sp>
           <p:nvSpPr>
-            <p:cNvPr name="TextBox 8" id="8"/>
+            <p:cNvPr name="TextBox 7" id="7"/>
             <p:cNvSpPr txBox="true"/>
             <p:nvPr/>
           </p:nvSpPr>
@@ -4441,7 +4388,7 @@
       </p:grpSp>
       <p:grpSp>
         <p:nvGrpSpPr>
-          <p:cNvPr name="Group 9" id="9"/>
+          <p:cNvPr name="Group 8" id="8"/>
           <p:cNvGrpSpPr/>
           <p:nvPr/>
         </p:nvGrpSpPr>
@@ -4455,7 +4402,7 @@
         </p:grpSpPr>
         <p:grpSp>
           <p:nvGrpSpPr>
-            <p:cNvPr name="Group 10" id="10"/>
+            <p:cNvPr name="Group 9" id="9"/>
             <p:cNvGrpSpPr/>
             <p:nvPr/>
           </p:nvGrpSpPr>
@@ -4469,7 +4416,7 @@
           </p:grpSpPr>
           <p:sp>
             <p:nvSpPr>
-              <p:cNvPr name="Freeform 11" id="11"/>
+              <p:cNvPr name="Freeform 10" id="10"/>
               <p:cNvSpPr/>
               <p:nvPr/>
             </p:nvSpPr>
@@ -4509,7 +4456,7 @@
           </p:sp>
           <p:sp>
             <p:nvSpPr>
-              <p:cNvPr name="TextBox 12" id="12"/>
+              <p:cNvPr name="TextBox 11" id="11"/>
               <p:cNvSpPr txBox="true"/>
               <p:nvPr/>
             </p:nvSpPr>
@@ -4540,7 +4487,7 @@
         </p:grpSp>
         <p:grpSp>
           <p:nvGrpSpPr>
-            <p:cNvPr name="Group 13" id="13"/>
+            <p:cNvPr name="Group 12" id="12"/>
             <p:cNvGrpSpPr/>
             <p:nvPr/>
           </p:nvGrpSpPr>
@@ -4554,7 +4501,7 @@
           </p:grpSpPr>
           <p:sp>
             <p:nvSpPr>
-              <p:cNvPr name="Freeform 14" id="14"/>
+              <p:cNvPr name="Freeform 13" id="13"/>
               <p:cNvSpPr/>
               <p:nvPr/>
             </p:nvSpPr>
@@ -4594,7 +4541,7 @@
           </p:sp>
           <p:sp>
             <p:nvSpPr>
-              <p:cNvPr name="TextBox 15" id="15"/>
+              <p:cNvPr name="TextBox 14" id="14"/>
               <p:cNvSpPr txBox="true"/>
               <p:nvPr/>
             </p:nvSpPr>
@@ -4624,6 +4571,59 @@
           </p:sp>
         </p:grpSp>
       </p:grpSp>
+      <p:sp>
+        <p:nvSpPr>
+          <p:cNvPr name="Freeform 15" id="15"/>
+          <p:cNvSpPr/>
+          <p:nvPr/>
+        </p:nvSpPr>
+        <p:spPr>
+          <a:xfrm flipH="false" flipV="false" rot="0">
+            <a:off x="3446486" y="-320805"/>
+            <a:ext cx="11395028" cy="11395028"/>
+          </a:xfrm>
+          <a:custGeom>
+            <a:avLst/>
+            <a:gdLst/>
+            <a:ahLst/>
+            <a:cxnLst/>
+            <a:rect r="r" b="b" t="t" l="l"/>
+            <a:pathLst>
+              <a:path h="11395028" w="11395028">
+                <a:moveTo>
+                  <a:pt x="0" y="0"/>
+                </a:moveTo>
+                <a:lnTo>
+                  <a:pt x="11395028" y="0"/>
+                </a:lnTo>
+                <a:lnTo>
+                  <a:pt x="11395028" y="11395029"/>
+                </a:lnTo>
+                <a:lnTo>
+                  <a:pt x="0" y="11395029"/>
+                </a:lnTo>
+                <a:lnTo>
+                  <a:pt x="0" y="0"/>
+                </a:lnTo>
+                <a:close/>
+              </a:path>
+            </a:pathLst>
+          </a:custGeom>
+          <a:blipFill>
+            <a:blip r:embed="rId5">
+              <a:alphaModFix amt="5000"/>
+            </a:blip>
+            <a:stretch>
+              <a:fillRect l="0" t="0" r="0" b="0"/>
+            </a:stretch>
+          </a:blipFill>
+          <a:ln cap="sq">
+            <a:noFill/>
+            <a:prstDash val="solid"/>
+            <a:miter/>
+          </a:ln>
+        </p:spPr>
+      </p:sp>
     </p:spTree>
   </p:cSld>
   <p:clrMapOvr>
@@ -4664,59 +4664,6 @@
         </p:nvSpPr>
         <p:spPr>
           <a:xfrm flipH="false" flipV="false" rot="0">
-            <a:off x="3446486" y="-320805"/>
-            <a:ext cx="11395028" cy="11395028"/>
-          </a:xfrm>
-          <a:custGeom>
-            <a:avLst/>
-            <a:gdLst/>
-            <a:ahLst/>
-            <a:cxnLst/>
-            <a:rect r="r" b="b" t="t" l="l"/>
-            <a:pathLst>
-              <a:path h="11395028" w="11395028">
-                <a:moveTo>
-                  <a:pt x="0" y="0"/>
-                </a:moveTo>
-                <a:lnTo>
-                  <a:pt x="11395028" y="0"/>
-                </a:lnTo>
-                <a:lnTo>
-                  <a:pt x="11395028" y="11395029"/>
-                </a:lnTo>
-                <a:lnTo>
-                  <a:pt x="0" y="11395029"/>
-                </a:lnTo>
-                <a:lnTo>
-                  <a:pt x="0" y="0"/>
-                </a:lnTo>
-                <a:close/>
-              </a:path>
-            </a:pathLst>
-          </a:custGeom>
-          <a:blipFill>
-            <a:blip r:embed="rId2">
-              <a:alphaModFix amt="14000"/>
-            </a:blip>
-            <a:stretch>
-              <a:fillRect l="0" t="0" r="0" b="0"/>
-            </a:stretch>
-          </a:blipFill>
-          <a:ln cap="sq">
-            <a:noFill/>
-            <a:prstDash val="solid"/>
-            <a:miter/>
-          </a:ln>
-        </p:spPr>
-      </p:sp>
-      <p:sp>
-        <p:nvSpPr>
-          <p:cNvPr name="Freeform 3" id="3"/>
-          <p:cNvSpPr/>
-          <p:nvPr/>
-        </p:nvSpPr>
-        <p:spPr>
-          <a:xfrm flipH="false" flipV="false" rot="0">
             <a:off x="288257" y="150240"/>
             <a:ext cx="1124941" cy="1124941"/>
           </a:xfrm>
@@ -4748,7 +4695,7 @@
             </a:pathLst>
           </a:custGeom>
           <a:blipFill>
-            <a:blip r:embed="rId3"/>
+            <a:blip r:embed="rId2"/>
             <a:stretch>
               <a:fillRect l="0" t="0" r="0" b="0"/>
             </a:stretch>
@@ -4757,7 +4704,7 @@
       </p:sp>
       <p:sp>
         <p:nvSpPr>
-          <p:cNvPr name="Freeform 4" id="4"/>
+          <p:cNvPr name="Freeform 3" id="3"/>
           <p:cNvSpPr/>
           <p:nvPr/>
         </p:nvSpPr>
@@ -4794,7 +4741,7 @@
             </a:pathLst>
           </a:custGeom>
           <a:blipFill>
-            <a:blip r:embed="rId4"/>
+            <a:blip r:embed="rId3"/>
             <a:stretch>
               <a:fillRect l="0" t="0" r="0" b="0"/>
             </a:stretch>
@@ -4803,7 +4750,7 @@
       </p:sp>
       <p:sp>
         <p:nvSpPr>
-          <p:cNvPr name="TextBox 5" id="5"/>
+          <p:cNvPr name="TextBox 4" id="4"/>
           <p:cNvSpPr txBox="true"/>
           <p:nvPr/>
         </p:nvSpPr>
@@ -4851,7 +4798,7 @@
       </p:sp>
       <p:grpSp>
         <p:nvGrpSpPr>
-          <p:cNvPr name="Group 6" id="6"/>
+          <p:cNvPr name="Group 5" id="5"/>
           <p:cNvGrpSpPr/>
           <p:nvPr/>
         </p:nvGrpSpPr>
@@ -4865,7 +4812,7 @@
         </p:grpSpPr>
         <p:sp>
           <p:nvSpPr>
-            <p:cNvPr name="Freeform 7" id="7"/>
+            <p:cNvPr name="Freeform 6" id="6"/>
             <p:cNvSpPr/>
             <p:nvPr/>
           </p:nvSpPr>
@@ -4899,7 +4846,7 @@
               </a:pathLst>
             </a:custGeom>
             <a:blipFill>
-              <a:blip r:embed="rId5">
+              <a:blip r:embed="rId4">
                 <a:alphaModFix amt="0"/>
               </a:blip>
               <a:stretch>
@@ -4910,7 +4857,7 @@
         </p:sp>
         <p:sp>
           <p:nvSpPr>
-            <p:cNvPr name="TextBox 8" id="8"/>
+            <p:cNvPr name="TextBox 7" id="7"/>
             <p:cNvSpPr txBox="true"/>
             <p:nvPr/>
           </p:nvSpPr>
@@ -4962,7 +4909,7 @@
       </p:grpSp>
       <p:grpSp>
         <p:nvGrpSpPr>
-          <p:cNvPr name="Group 9" id="9"/>
+          <p:cNvPr name="Group 8" id="8"/>
           <p:cNvGrpSpPr/>
           <p:nvPr/>
         </p:nvGrpSpPr>
@@ -4976,7 +4923,7 @@
         </p:grpSpPr>
         <p:grpSp>
           <p:nvGrpSpPr>
-            <p:cNvPr name="Group 10" id="10"/>
+            <p:cNvPr name="Group 9" id="9"/>
             <p:cNvGrpSpPr/>
             <p:nvPr/>
           </p:nvGrpSpPr>
@@ -4990,7 +4937,7 @@
           </p:grpSpPr>
           <p:sp>
             <p:nvSpPr>
-              <p:cNvPr name="Freeform 11" id="11"/>
+              <p:cNvPr name="Freeform 10" id="10"/>
               <p:cNvSpPr/>
               <p:nvPr/>
             </p:nvSpPr>
@@ -5030,7 +4977,7 @@
           </p:sp>
           <p:sp>
             <p:nvSpPr>
-              <p:cNvPr name="TextBox 12" id="12"/>
+              <p:cNvPr name="TextBox 11" id="11"/>
               <p:cNvSpPr txBox="true"/>
               <p:nvPr/>
             </p:nvSpPr>
@@ -5061,7 +5008,7 @@
         </p:grpSp>
         <p:grpSp>
           <p:nvGrpSpPr>
-            <p:cNvPr name="Group 13" id="13"/>
+            <p:cNvPr name="Group 12" id="12"/>
             <p:cNvGrpSpPr/>
             <p:nvPr/>
           </p:nvGrpSpPr>
@@ -5075,7 +5022,7 @@
           </p:grpSpPr>
           <p:sp>
             <p:nvSpPr>
-              <p:cNvPr name="Freeform 14" id="14"/>
+              <p:cNvPr name="Freeform 13" id="13"/>
               <p:cNvSpPr/>
               <p:nvPr/>
             </p:nvSpPr>
@@ -5115,7 +5062,7 @@
           </p:sp>
           <p:sp>
             <p:nvSpPr>
-              <p:cNvPr name="TextBox 15" id="15"/>
+              <p:cNvPr name="TextBox 14" id="14"/>
               <p:cNvSpPr txBox="true"/>
               <p:nvPr/>
             </p:nvSpPr>
@@ -5145,6 +5092,59 @@
           </p:sp>
         </p:grpSp>
       </p:grpSp>
+      <p:sp>
+        <p:nvSpPr>
+          <p:cNvPr name="Freeform 15" id="15"/>
+          <p:cNvSpPr/>
+          <p:nvPr/>
+        </p:nvSpPr>
+        <p:spPr>
+          <a:xfrm flipH="false" flipV="false" rot="0">
+            <a:off x="3446486" y="-320805"/>
+            <a:ext cx="11395028" cy="11395028"/>
+          </a:xfrm>
+          <a:custGeom>
+            <a:avLst/>
+            <a:gdLst/>
+            <a:ahLst/>
+            <a:cxnLst/>
+            <a:rect r="r" b="b" t="t" l="l"/>
+            <a:pathLst>
+              <a:path h="11395028" w="11395028">
+                <a:moveTo>
+                  <a:pt x="0" y="0"/>
+                </a:moveTo>
+                <a:lnTo>
+                  <a:pt x="11395028" y="0"/>
+                </a:lnTo>
+                <a:lnTo>
+                  <a:pt x="11395028" y="11395029"/>
+                </a:lnTo>
+                <a:lnTo>
+                  <a:pt x="0" y="11395029"/>
+                </a:lnTo>
+                <a:lnTo>
+                  <a:pt x="0" y="0"/>
+                </a:lnTo>
+                <a:close/>
+              </a:path>
+            </a:pathLst>
+          </a:custGeom>
+          <a:blipFill>
+            <a:blip r:embed="rId5">
+              <a:alphaModFix amt="5000"/>
+            </a:blip>
+            <a:stretch>
+              <a:fillRect l="0" t="0" r="0" b="0"/>
+            </a:stretch>
+          </a:blipFill>
+          <a:ln cap="sq">
+            <a:noFill/>
+            <a:prstDash val="solid"/>
+            <a:miter/>
+          </a:ln>
+        </p:spPr>
+      </p:sp>
     </p:spTree>
   </p:cSld>
   <p:clrMapOvr>
@@ -5217,7 +5217,7 @@
           </a:custGeom>
           <a:blipFill>
             <a:blip r:embed="rId2">
-              <a:alphaModFix amt="14000"/>
+              <a:alphaModFix amt="5000"/>
             </a:blip>
             <a:stretch>
               <a:fillRect l="0" t="0" r="0" b="0"/>
@@ -5706,59 +5706,6 @@
         </p:nvSpPr>
         <p:spPr>
           <a:xfrm flipH="false" flipV="false" rot="0">
-            <a:off x="3446486" y="-320805"/>
-            <a:ext cx="11395028" cy="11395028"/>
-          </a:xfrm>
-          <a:custGeom>
-            <a:avLst/>
-            <a:gdLst/>
-            <a:ahLst/>
-            <a:cxnLst/>
-            <a:rect r="r" b="b" t="t" l="l"/>
-            <a:pathLst>
-              <a:path h="11395028" w="11395028">
-                <a:moveTo>
-                  <a:pt x="0" y="0"/>
-                </a:moveTo>
-                <a:lnTo>
-                  <a:pt x="11395028" y="0"/>
-                </a:lnTo>
-                <a:lnTo>
-                  <a:pt x="11395028" y="11395029"/>
-                </a:lnTo>
-                <a:lnTo>
-                  <a:pt x="0" y="11395029"/>
-                </a:lnTo>
-                <a:lnTo>
-                  <a:pt x="0" y="0"/>
-                </a:lnTo>
-                <a:close/>
-              </a:path>
-            </a:pathLst>
-          </a:custGeom>
-          <a:blipFill>
-            <a:blip r:embed="rId2">
-              <a:alphaModFix amt="14000"/>
-            </a:blip>
-            <a:stretch>
-              <a:fillRect l="0" t="0" r="0" b="0"/>
-            </a:stretch>
-          </a:blipFill>
-          <a:ln cap="sq">
-            <a:noFill/>
-            <a:prstDash val="solid"/>
-            <a:miter/>
-          </a:ln>
-        </p:spPr>
-      </p:sp>
-      <p:sp>
-        <p:nvSpPr>
-          <p:cNvPr name="Freeform 3" id="3"/>
-          <p:cNvSpPr/>
-          <p:nvPr/>
-        </p:nvSpPr>
-        <p:spPr>
-          <a:xfrm flipH="false" flipV="false" rot="0">
             <a:off x="288257" y="150240"/>
             <a:ext cx="1124941" cy="1124941"/>
           </a:xfrm>
@@ -5790,7 +5737,7 @@
             </a:pathLst>
           </a:custGeom>
           <a:blipFill>
-            <a:blip r:embed="rId3"/>
+            <a:blip r:embed="rId2"/>
             <a:stretch>
               <a:fillRect l="0" t="0" r="0" b="0"/>
             </a:stretch>
@@ -5799,7 +5746,7 @@
       </p:sp>
       <p:sp>
         <p:nvSpPr>
-          <p:cNvPr name="Freeform 4" id="4"/>
+          <p:cNvPr name="Freeform 3" id="3"/>
           <p:cNvSpPr/>
           <p:nvPr/>
         </p:nvSpPr>
@@ -5836,7 +5783,7 @@
             </a:pathLst>
           </a:custGeom>
           <a:blipFill>
-            <a:blip r:embed="rId4"/>
+            <a:blip r:embed="rId3"/>
             <a:stretch>
               <a:fillRect l="0" t="0" r="0" b="0"/>
             </a:stretch>
@@ -5845,7 +5792,7 @@
       </p:sp>
       <p:sp>
         <p:nvSpPr>
-          <p:cNvPr name="TextBox 5" id="5"/>
+          <p:cNvPr name="TextBox 4" id="4"/>
           <p:cNvSpPr txBox="true"/>
           <p:nvPr/>
         </p:nvSpPr>
@@ -5893,7 +5840,7 @@
       </p:sp>
       <p:grpSp>
         <p:nvGrpSpPr>
-          <p:cNvPr name="Group 6" id="6"/>
+          <p:cNvPr name="Group 5" id="5"/>
           <p:cNvGrpSpPr/>
           <p:nvPr/>
         </p:nvGrpSpPr>
@@ -5907,7 +5854,7 @@
         </p:grpSpPr>
         <p:sp>
           <p:nvSpPr>
-            <p:cNvPr name="Freeform 7" id="7"/>
+            <p:cNvPr name="Freeform 6" id="6"/>
             <p:cNvSpPr/>
             <p:nvPr/>
           </p:nvSpPr>
@@ -5941,7 +5888,7 @@
               </a:pathLst>
             </a:custGeom>
             <a:blipFill>
-              <a:blip r:embed="rId5">
+              <a:blip r:embed="rId4">
                 <a:alphaModFix amt="0"/>
               </a:blip>
               <a:stretch>
@@ -5952,7 +5899,7 @@
         </p:sp>
         <p:sp>
           <p:nvSpPr>
-            <p:cNvPr name="TextBox 8" id="8"/>
+            <p:cNvPr name="TextBox 7" id="7"/>
             <p:cNvSpPr txBox="true"/>
             <p:nvPr/>
           </p:nvSpPr>
@@ -6004,7 +5951,7 @@
       </p:grpSp>
       <p:grpSp>
         <p:nvGrpSpPr>
-          <p:cNvPr name="Group 9" id="9"/>
+          <p:cNvPr name="Group 8" id="8"/>
           <p:cNvGrpSpPr/>
           <p:nvPr/>
         </p:nvGrpSpPr>
@@ -6018,7 +5965,7 @@
         </p:grpSpPr>
         <p:grpSp>
           <p:nvGrpSpPr>
-            <p:cNvPr name="Group 10" id="10"/>
+            <p:cNvPr name="Group 9" id="9"/>
             <p:cNvGrpSpPr/>
             <p:nvPr/>
           </p:nvGrpSpPr>
@@ -6032,7 +5979,7 @@
           </p:grpSpPr>
           <p:sp>
             <p:nvSpPr>
-              <p:cNvPr name="Freeform 11" id="11"/>
+              <p:cNvPr name="Freeform 10" id="10"/>
               <p:cNvSpPr/>
               <p:nvPr/>
             </p:nvSpPr>
@@ -6072,7 +6019,7 @@
           </p:sp>
           <p:sp>
             <p:nvSpPr>
-              <p:cNvPr name="TextBox 12" id="12"/>
+              <p:cNvPr name="TextBox 11" id="11"/>
               <p:cNvSpPr txBox="true"/>
               <p:nvPr/>
             </p:nvSpPr>
@@ -6103,7 +6050,7 @@
         </p:grpSp>
         <p:grpSp>
           <p:nvGrpSpPr>
-            <p:cNvPr name="Group 13" id="13"/>
+            <p:cNvPr name="Group 12" id="12"/>
             <p:cNvGrpSpPr/>
             <p:nvPr/>
           </p:nvGrpSpPr>
@@ -6117,7 +6064,7 @@
           </p:grpSpPr>
           <p:sp>
             <p:nvSpPr>
-              <p:cNvPr name="Freeform 14" id="14"/>
+              <p:cNvPr name="Freeform 13" id="13"/>
               <p:cNvSpPr/>
               <p:nvPr/>
             </p:nvSpPr>
@@ -6157,7 +6104,7 @@
           </p:sp>
           <p:sp>
             <p:nvSpPr>
-              <p:cNvPr name="TextBox 15" id="15"/>
+              <p:cNvPr name="TextBox 14" id="14"/>
               <p:cNvSpPr txBox="true"/>
               <p:nvPr/>
             </p:nvSpPr>
@@ -6187,6 +6134,59 @@
           </p:sp>
         </p:grpSp>
       </p:grpSp>
+      <p:sp>
+        <p:nvSpPr>
+          <p:cNvPr name="Freeform 15" id="15"/>
+          <p:cNvSpPr/>
+          <p:nvPr/>
+        </p:nvSpPr>
+        <p:spPr>
+          <a:xfrm flipH="false" flipV="false" rot="0">
+            <a:off x="3446486" y="-320805"/>
+            <a:ext cx="11395028" cy="11395028"/>
+          </a:xfrm>
+          <a:custGeom>
+            <a:avLst/>
+            <a:gdLst/>
+            <a:ahLst/>
+            <a:cxnLst/>
+            <a:rect r="r" b="b" t="t" l="l"/>
+            <a:pathLst>
+              <a:path h="11395028" w="11395028">
+                <a:moveTo>
+                  <a:pt x="0" y="0"/>
+                </a:moveTo>
+                <a:lnTo>
+                  <a:pt x="11395028" y="0"/>
+                </a:lnTo>
+                <a:lnTo>
+                  <a:pt x="11395028" y="11395029"/>
+                </a:lnTo>
+                <a:lnTo>
+                  <a:pt x="0" y="11395029"/>
+                </a:lnTo>
+                <a:lnTo>
+                  <a:pt x="0" y="0"/>
+                </a:lnTo>
+                <a:close/>
+              </a:path>
+            </a:pathLst>
+          </a:custGeom>
+          <a:blipFill>
+            <a:blip r:embed="rId5">
+              <a:alphaModFix amt="5000"/>
+            </a:blip>
+            <a:stretch>
+              <a:fillRect l="0" t="0" r="0" b="0"/>
+            </a:stretch>
+          </a:blipFill>
+          <a:ln cap="sq">
+            <a:noFill/>
+            <a:prstDash val="solid"/>
+            <a:miter/>
+          </a:ln>
+        </p:spPr>
+      </p:sp>
     </p:spTree>
   </p:cSld>
   <p:clrMapOvr>
